--- a/Ejercicio04/Ejercicio04.pptx
+++ b/Ejercicio04/Ejercicio04.pptx
@@ -270,7 +270,7 @@
           <a:p>
             <a:fld id="{246AA5FD-5524-4AD4-879F-D4B47144AFA8}" type="datetimeFigureOut">
               <a:rPr lang="es-MX" smtClean="0"/>
-              <a:t>08/10/2018</a:t>
+              <a:t>09/10/2018</a:t>
             </a:fld>
             <a:endParaRPr lang="es-MX"/>
           </a:p>
@@ -470,7 +470,7 @@
           <a:p>
             <a:fld id="{246AA5FD-5524-4AD4-879F-D4B47144AFA8}" type="datetimeFigureOut">
               <a:rPr lang="es-MX" smtClean="0"/>
-              <a:t>08/10/2018</a:t>
+              <a:t>09/10/2018</a:t>
             </a:fld>
             <a:endParaRPr lang="es-MX"/>
           </a:p>
@@ -680,7 +680,7 @@
           <a:p>
             <a:fld id="{246AA5FD-5524-4AD4-879F-D4B47144AFA8}" type="datetimeFigureOut">
               <a:rPr lang="es-MX" smtClean="0"/>
-              <a:t>08/10/2018</a:t>
+              <a:t>09/10/2018</a:t>
             </a:fld>
             <a:endParaRPr lang="es-MX"/>
           </a:p>
@@ -880,7 +880,7 @@
           <a:p>
             <a:fld id="{246AA5FD-5524-4AD4-879F-D4B47144AFA8}" type="datetimeFigureOut">
               <a:rPr lang="es-MX" smtClean="0"/>
-              <a:t>08/10/2018</a:t>
+              <a:t>09/10/2018</a:t>
             </a:fld>
             <a:endParaRPr lang="es-MX"/>
           </a:p>
@@ -1156,7 +1156,7 @@
           <a:p>
             <a:fld id="{246AA5FD-5524-4AD4-879F-D4B47144AFA8}" type="datetimeFigureOut">
               <a:rPr lang="es-MX" smtClean="0"/>
-              <a:t>08/10/2018</a:t>
+              <a:t>09/10/2018</a:t>
             </a:fld>
             <a:endParaRPr lang="es-MX"/>
           </a:p>
@@ -1424,7 +1424,7 @@
           <a:p>
             <a:fld id="{246AA5FD-5524-4AD4-879F-D4B47144AFA8}" type="datetimeFigureOut">
               <a:rPr lang="es-MX" smtClean="0"/>
-              <a:t>08/10/2018</a:t>
+              <a:t>09/10/2018</a:t>
             </a:fld>
             <a:endParaRPr lang="es-MX"/>
           </a:p>
@@ -1839,7 +1839,7 @@
           <a:p>
             <a:fld id="{246AA5FD-5524-4AD4-879F-D4B47144AFA8}" type="datetimeFigureOut">
               <a:rPr lang="es-MX" smtClean="0"/>
-              <a:t>08/10/2018</a:t>
+              <a:t>09/10/2018</a:t>
             </a:fld>
             <a:endParaRPr lang="es-MX"/>
           </a:p>
@@ -1981,7 +1981,7 @@
           <a:p>
             <a:fld id="{246AA5FD-5524-4AD4-879F-D4B47144AFA8}" type="datetimeFigureOut">
               <a:rPr lang="es-MX" smtClean="0"/>
-              <a:t>08/10/2018</a:t>
+              <a:t>09/10/2018</a:t>
             </a:fld>
             <a:endParaRPr lang="es-MX"/>
           </a:p>
@@ -2094,7 +2094,7 @@
           <a:p>
             <a:fld id="{246AA5FD-5524-4AD4-879F-D4B47144AFA8}" type="datetimeFigureOut">
               <a:rPr lang="es-MX" smtClean="0"/>
-              <a:t>08/10/2018</a:t>
+              <a:t>09/10/2018</a:t>
             </a:fld>
             <a:endParaRPr lang="es-MX"/>
           </a:p>
@@ -2407,7 +2407,7 @@
           <a:p>
             <a:fld id="{246AA5FD-5524-4AD4-879F-D4B47144AFA8}" type="datetimeFigureOut">
               <a:rPr lang="es-MX" smtClean="0"/>
-              <a:t>08/10/2018</a:t>
+              <a:t>09/10/2018</a:t>
             </a:fld>
             <a:endParaRPr lang="es-MX"/>
           </a:p>
@@ -2696,7 +2696,7 @@
           <a:p>
             <a:fld id="{246AA5FD-5524-4AD4-879F-D4B47144AFA8}" type="datetimeFigureOut">
               <a:rPr lang="es-MX" smtClean="0"/>
-              <a:t>08/10/2018</a:t>
+              <a:t>09/10/2018</a:t>
             </a:fld>
             <a:endParaRPr lang="es-MX"/>
           </a:p>
@@ -2939,7 +2939,7 @@
           <a:p>
             <a:fld id="{246AA5FD-5524-4AD4-879F-D4B47144AFA8}" type="datetimeFigureOut">
               <a:rPr lang="es-MX" smtClean="0"/>
-              <a:t>08/10/2018</a:t>
+              <a:t>09/10/2018</a:t>
             </a:fld>
             <a:endParaRPr lang="es-MX"/>
           </a:p>
@@ -6423,8 +6423,8 @@
           </a:fontRef>
         </p:style>
       </p:cxnSp>
-      <mc:AlternateContent xmlns:mc="http://schemas.openxmlformats.org/markup-compatibility/2006">
-        <mc:Choice xmlns:a14="http://schemas.microsoft.com/office/drawing/2010/main" Requires="a14">
+      <mc:AlternateContent xmlns:mc="http://schemas.openxmlformats.org/markup-compatibility/2006" xmlns:a14="http://schemas.microsoft.com/office/drawing/2010/main">
+        <mc:Choice Requires="a14">
           <p:sp>
             <p:nvSpPr>
               <p:cNvPr id="24" name="Rectángulo 23">
@@ -6543,7 +6543,7 @@
             </p:txBody>
           </p:sp>
         </mc:Choice>
-        <mc:Fallback>
+        <mc:Fallback xmlns="">
           <p:sp>
             <p:nvSpPr>
               <p:cNvPr id="24" name="Rectángulo 23">
@@ -13505,8 +13505,8 @@
           </a:p>
         </p:txBody>
       </p:sp>
-      <mc:AlternateContent xmlns:mc="http://schemas.openxmlformats.org/markup-compatibility/2006">
-        <mc:Choice xmlns:a14="http://schemas.microsoft.com/office/drawing/2010/main" Requires="a14">
+      <mc:AlternateContent xmlns:mc="http://schemas.openxmlformats.org/markup-compatibility/2006" xmlns:a14="http://schemas.microsoft.com/office/drawing/2010/main">
+        <mc:Choice Requires="a14">
           <p:sp>
             <p:nvSpPr>
               <p:cNvPr id="26" name="Rectángulo 25">
@@ -13625,7 +13625,7 @@
             </p:txBody>
           </p:sp>
         </mc:Choice>
-        <mc:Fallback>
+        <mc:Fallback xmlns="">
           <p:sp>
             <p:nvSpPr>
               <p:cNvPr id="26" name="Rectángulo 25">
@@ -14677,8 +14677,8 @@
           </a:p>
         </p:txBody>
       </p:sp>
-      <mc:AlternateContent xmlns:mc="http://schemas.openxmlformats.org/markup-compatibility/2006">
-        <mc:Choice xmlns:a14="http://schemas.microsoft.com/office/drawing/2010/main" Requires="a14">
+      <mc:AlternateContent xmlns:mc="http://schemas.openxmlformats.org/markup-compatibility/2006" xmlns:a14="http://schemas.microsoft.com/office/drawing/2010/main">
+        <mc:Choice Requires="a14">
           <p:sp>
             <p:nvSpPr>
               <p:cNvPr id="25" name="Rectángulo 24">
@@ -14821,7 +14821,7 @@
             </p:txBody>
           </p:sp>
         </mc:Choice>
-        <mc:Fallback>
+        <mc:Fallback xmlns="">
           <p:sp>
             <p:nvSpPr>
               <p:cNvPr id="25" name="Rectángulo 24">
@@ -14915,8 +14915,8 @@
           </a:fontRef>
         </p:style>
       </p:cxnSp>
-      <mc:AlternateContent xmlns:mc="http://schemas.openxmlformats.org/markup-compatibility/2006">
-        <mc:Choice xmlns:a14="http://schemas.microsoft.com/office/drawing/2010/main" Requires="a14">
+      <mc:AlternateContent xmlns:mc="http://schemas.openxmlformats.org/markup-compatibility/2006" xmlns:a14="http://schemas.microsoft.com/office/drawing/2010/main">
+        <mc:Choice Requires="a14">
           <p:sp>
             <p:nvSpPr>
               <p:cNvPr id="28" name="Rectángulo 27">
@@ -15062,7 +15062,7 @@
             </p:txBody>
           </p:sp>
         </mc:Choice>
-        <mc:Fallback>
+        <mc:Fallback xmlns="">
           <p:sp>
             <p:nvSpPr>
               <p:cNvPr id="28" name="Rectángulo 27">
@@ -15167,8 +15167,8 @@
           </a:p>
         </p:txBody>
       </p:sp>
-      <mc:AlternateContent xmlns:mc="http://schemas.openxmlformats.org/markup-compatibility/2006">
-        <mc:Choice xmlns:a14="http://schemas.microsoft.com/office/drawing/2010/main" Requires="a14">
+      <mc:AlternateContent xmlns:mc="http://schemas.openxmlformats.org/markup-compatibility/2006" xmlns:a14="http://schemas.microsoft.com/office/drawing/2010/main">
+        <mc:Choice Requires="a14">
           <p:sp>
             <p:nvSpPr>
               <p:cNvPr id="30" name="Rectángulo 29">
@@ -15311,7 +15311,7 @@
             </p:txBody>
           </p:sp>
         </mc:Choice>
-        <mc:Fallback>
+        <mc:Fallback xmlns="">
           <p:sp>
             <p:nvSpPr>
               <p:cNvPr id="30" name="Rectángulo 29">
@@ -15463,7 +15463,7 @@
         </p:blipFill>
         <p:spPr>
           <a:xfrm>
-            <a:off x="429550" y="122072"/>
+            <a:off x="111497" y="82316"/>
             <a:ext cx="8245010" cy="4754727"/>
           </a:xfrm>
           <a:prstGeom prst="rect">
@@ -15485,7 +15485,7 @@
         </p:nvSpPr>
         <p:spPr>
           <a:xfrm>
-            <a:off x="4015319" y="704549"/>
+            <a:off x="3697266" y="704549"/>
             <a:ext cx="636194" cy="249608"/>
           </a:xfrm>
           <a:prstGeom prst="rect">
@@ -15551,7 +15551,7 @@
         </p:nvSpPr>
         <p:spPr>
           <a:xfrm>
-            <a:off x="2471441" y="954157"/>
+            <a:off x="2153388" y="954157"/>
             <a:ext cx="636194" cy="249608"/>
           </a:xfrm>
           <a:prstGeom prst="rect">
@@ -15617,7 +15617,7 @@
         </p:nvSpPr>
         <p:spPr>
           <a:xfrm>
-            <a:off x="5572449" y="1519558"/>
+            <a:off x="5254396" y="1519558"/>
             <a:ext cx="636194" cy="249608"/>
           </a:xfrm>
           <a:prstGeom prst="rect">
@@ -15683,7 +15683,7 @@
         </p:nvSpPr>
         <p:spPr>
           <a:xfrm>
-            <a:off x="5777903" y="2374631"/>
+            <a:off x="5459850" y="2374631"/>
             <a:ext cx="636194" cy="249608"/>
           </a:xfrm>
           <a:prstGeom prst="rect">
@@ -15749,7 +15749,7 @@
         </p:nvSpPr>
         <p:spPr>
           <a:xfrm>
-            <a:off x="5777903" y="2624239"/>
+            <a:off x="5459850" y="2624239"/>
             <a:ext cx="636194" cy="249608"/>
           </a:xfrm>
           <a:prstGeom prst="rect">
@@ -15815,7 +15815,7 @@
         </p:nvSpPr>
         <p:spPr>
           <a:xfrm>
-            <a:off x="5777903" y="2869570"/>
+            <a:off x="5459850" y="2869570"/>
             <a:ext cx="636194" cy="249608"/>
           </a:xfrm>
           <a:prstGeom prst="rect">
@@ -15881,7 +15881,7 @@
         </p:nvSpPr>
         <p:spPr>
           <a:xfrm>
-            <a:off x="5777903" y="3107668"/>
+            <a:off x="5459850" y="3107668"/>
             <a:ext cx="636194" cy="249608"/>
           </a:xfrm>
           <a:prstGeom prst="rect">
@@ -15947,7 +15947,7 @@
         </p:nvSpPr>
         <p:spPr>
           <a:xfrm>
-            <a:off x="4505606" y="4024219"/>
+            <a:off x="4187553" y="4024219"/>
             <a:ext cx="636194" cy="249608"/>
           </a:xfrm>
           <a:prstGeom prst="rect">
@@ -15999,6 +15999,1049 @@
           </a:p>
         </p:txBody>
       </p:sp>
+      <p:sp>
+        <p:nvSpPr>
+          <p:cNvPr id="12" name="Rectángulo 11">
+            <a:extLst>
+              <a:ext uri="{FF2B5EF4-FFF2-40B4-BE49-F238E27FC236}">
+                <a16:creationId xmlns:a16="http://schemas.microsoft.com/office/drawing/2014/main" id="{271FD1F2-2D1A-4845-A8B0-BD5AD34F4309}"/>
+              </a:ext>
+            </a:extLst>
+          </p:cNvPr>
+          <p:cNvSpPr/>
+          <p:nvPr/>
+        </p:nvSpPr>
+        <p:spPr>
+          <a:xfrm>
+            <a:off x="7291118" y="1521741"/>
+            <a:ext cx="2197437" cy="249605"/>
+          </a:xfrm>
+          <a:prstGeom prst="rect">
+            <a:avLst/>
+          </a:prstGeom>
+          <a:solidFill>
+            <a:schemeClr val="accent4"/>
+          </a:solidFill>
+          <a:ln>
+            <a:solidFill>
+              <a:schemeClr val="tx1"/>
+            </a:solidFill>
+          </a:ln>
+        </p:spPr>
+        <p:style>
+          <a:lnRef idx="2">
+            <a:schemeClr val="accent1">
+              <a:shade val="50000"/>
+            </a:schemeClr>
+          </a:lnRef>
+          <a:fillRef idx="1">
+            <a:schemeClr val="accent1"/>
+          </a:fillRef>
+          <a:effectRef idx="0">
+            <a:schemeClr val="accent1"/>
+          </a:effectRef>
+          <a:fontRef idx="minor">
+            <a:schemeClr val="lt1"/>
+          </a:fontRef>
+        </p:style>
+        <p:txBody>
+          <a:bodyPr rtlCol="0" anchor="ctr"/>
+          <a:lstStyle/>
+          <a:p>
+            <a:pPr algn="ctr"/>
+            <a:r>
+              <a:rPr lang="es-MX" sz="1600" b="1" dirty="0">
+                <a:solidFill>
+                  <a:schemeClr val="tx1"/>
+                </a:solidFill>
+                <a:latin typeface="Arial" panose="020B0604020202020204" pitchFamily="34" charset="0"/>
+                <a:cs typeface="Arial" panose="020B0604020202020204" pitchFamily="34" charset="0"/>
+              </a:rPr>
+              <a:t>Se repite n-1-i veces</a:t>
+            </a:r>
+          </a:p>
+        </p:txBody>
+      </p:sp>
+      <p:cxnSp>
+        <p:nvCxnSpPr>
+          <p:cNvPr id="13" name="Conector recto de flecha 12">
+            <a:extLst>
+              <a:ext uri="{FF2B5EF4-FFF2-40B4-BE49-F238E27FC236}">
+                <a16:creationId xmlns:a16="http://schemas.microsoft.com/office/drawing/2014/main" id="{1E1B954F-EE01-4CD6-AE84-EE1DF9F4F819}"/>
+              </a:ext>
+            </a:extLst>
+          </p:cNvPr>
+          <p:cNvCxnSpPr>
+            <a:cxnSpLocks/>
+          </p:cNvCxnSpPr>
+          <p:nvPr/>
+        </p:nvCxnSpPr>
+        <p:spPr>
+          <a:xfrm flipV="1">
+            <a:off x="6797268" y="1645213"/>
+            <a:ext cx="401086" cy="141627"/>
+          </a:xfrm>
+          <a:prstGeom prst="straightConnector1">
+            <a:avLst/>
+          </a:prstGeom>
+          <a:ln w="38100">
+            <a:solidFill>
+              <a:schemeClr val="accent4"/>
+            </a:solidFill>
+            <a:tailEnd type="triangle"/>
+          </a:ln>
+        </p:spPr>
+        <p:style>
+          <a:lnRef idx="1">
+            <a:schemeClr val="accent1"/>
+          </a:lnRef>
+          <a:fillRef idx="0">
+            <a:schemeClr val="accent1"/>
+          </a:fillRef>
+          <a:effectRef idx="0">
+            <a:schemeClr val="accent1"/>
+          </a:effectRef>
+          <a:fontRef idx="minor">
+            <a:schemeClr val="tx1"/>
+          </a:fontRef>
+        </p:style>
+      </p:cxnSp>
+      <p:sp>
+        <p:nvSpPr>
+          <p:cNvPr id="14" name="Rectángulo 13">
+            <a:extLst>
+              <a:ext uri="{FF2B5EF4-FFF2-40B4-BE49-F238E27FC236}">
+                <a16:creationId xmlns:a16="http://schemas.microsoft.com/office/drawing/2014/main" id="{79617FA1-2AD9-49FD-AF9C-74F2AF288DEC}"/>
+              </a:ext>
+            </a:extLst>
+          </p:cNvPr>
+          <p:cNvSpPr/>
+          <p:nvPr/>
+        </p:nvSpPr>
+        <p:spPr>
+          <a:xfrm>
+            <a:off x="7973620" y="1842534"/>
+            <a:ext cx="686329" cy="239387"/>
+          </a:xfrm>
+          <a:prstGeom prst="rect">
+            <a:avLst/>
+          </a:prstGeom>
+          <a:solidFill>
+            <a:schemeClr val="accent4"/>
+          </a:solidFill>
+          <a:ln>
+            <a:solidFill>
+              <a:schemeClr val="tx1"/>
+            </a:solidFill>
+          </a:ln>
+        </p:spPr>
+        <p:style>
+          <a:lnRef idx="2">
+            <a:schemeClr val="accent1">
+              <a:shade val="50000"/>
+            </a:schemeClr>
+          </a:lnRef>
+          <a:fillRef idx="1">
+            <a:schemeClr val="accent1"/>
+          </a:fillRef>
+          <a:effectRef idx="0">
+            <a:schemeClr val="accent1"/>
+          </a:effectRef>
+          <a:fontRef idx="minor">
+            <a:schemeClr val="lt1"/>
+          </a:fontRef>
+        </p:style>
+        <p:txBody>
+          <a:bodyPr rtlCol="0" anchor="ctr"/>
+          <a:lstStyle/>
+          <a:p>
+            <a:pPr algn="ctr"/>
+            <a:r>
+              <a:rPr lang="es-MX" sz="1600" b="1" dirty="0">
+                <a:solidFill>
+                  <a:schemeClr val="tx1"/>
+                </a:solidFill>
+                <a:latin typeface="Arial" panose="020B0604020202020204" pitchFamily="34" charset="0"/>
+                <a:cs typeface="Arial" panose="020B0604020202020204" pitchFamily="34" charset="0"/>
+              </a:rPr>
+              <a:t>O(n)</a:t>
+            </a:r>
+          </a:p>
+        </p:txBody>
+      </p:sp>
+      <p:cxnSp>
+        <p:nvCxnSpPr>
+          <p:cNvPr id="15" name="Conector recto de flecha 14">
+            <a:extLst>
+              <a:ext uri="{FF2B5EF4-FFF2-40B4-BE49-F238E27FC236}">
+                <a16:creationId xmlns:a16="http://schemas.microsoft.com/office/drawing/2014/main" id="{E318FD6E-6B2C-4E77-8657-AB4EB61B499E}"/>
+              </a:ext>
+            </a:extLst>
+          </p:cNvPr>
+          <p:cNvCxnSpPr>
+            <a:cxnSpLocks/>
+          </p:cNvCxnSpPr>
+          <p:nvPr/>
+        </p:nvCxnSpPr>
+        <p:spPr>
+          <a:xfrm>
+            <a:off x="7198354" y="1939743"/>
+            <a:ext cx="720734" cy="0"/>
+          </a:xfrm>
+          <a:prstGeom prst="straightConnector1">
+            <a:avLst/>
+          </a:prstGeom>
+          <a:ln w="38100">
+            <a:solidFill>
+              <a:schemeClr val="accent4"/>
+            </a:solidFill>
+            <a:tailEnd type="triangle"/>
+          </a:ln>
+        </p:spPr>
+        <p:style>
+          <a:lnRef idx="1">
+            <a:schemeClr val="accent1"/>
+          </a:lnRef>
+          <a:fillRef idx="0">
+            <a:schemeClr val="accent1"/>
+          </a:fillRef>
+          <a:effectRef idx="0">
+            <a:schemeClr val="accent1"/>
+          </a:effectRef>
+          <a:fontRef idx="minor">
+            <a:schemeClr val="tx1"/>
+          </a:fontRef>
+        </p:style>
+      </p:cxnSp>
+      <p:sp>
+        <p:nvSpPr>
+          <p:cNvPr id="20" name="Rectángulo 19">
+            <a:extLst>
+              <a:ext uri="{FF2B5EF4-FFF2-40B4-BE49-F238E27FC236}">
+                <a16:creationId xmlns:a16="http://schemas.microsoft.com/office/drawing/2014/main" id="{03A90E47-3E82-4A38-A637-5E92330DF87A}"/>
+              </a:ext>
+            </a:extLst>
+          </p:cNvPr>
+          <p:cNvSpPr/>
+          <p:nvPr/>
+        </p:nvSpPr>
+        <p:spPr>
+          <a:xfrm>
+            <a:off x="7437045" y="834463"/>
+            <a:ext cx="2051510" cy="239387"/>
+          </a:xfrm>
+          <a:prstGeom prst="rect">
+            <a:avLst/>
+          </a:prstGeom>
+          <a:solidFill>
+            <a:schemeClr val="accent4"/>
+          </a:solidFill>
+          <a:ln>
+            <a:solidFill>
+              <a:schemeClr val="tx1"/>
+            </a:solidFill>
+          </a:ln>
+        </p:spPr>
+        <p:style>
+          <a:lnRef idx="2">
+            <a:schemeClr val="accent1">
+              <a:shade val="50000"/>
+            </a:schemeClr>
+          </a:lnRef>
+          <a:fillRef idx="1">
+            <a:schemeClr val="accent1"/>
+          </a:fillRef>
+          <a:effectRef idx="0">
+            <a:schemeClr val="accent1"/>
+          </a:effectRef>
+          <a:fontRef idx="minor">
+            <a:schemeClr val="lt1"/>
+          </a:fontRef>
+        </p:style>
+        <p:txBody>
+          <a:bodyPr rtlCol="0" anchor="ctr"/>
+          <a:lstStyle/>
+          <a:p>
+            <a:pPr algn="ctr"/>
+            <a:r>
+              <a:rPr lang="es-MX" sz="1600" b="1" dirty="0">
+                <a:solidFill>
+                  <a:schemeClr val="tx1"/>
+                </a:solidFill>
+                <a:latin typeface="Arial" panose="020B0604020202020204" pitchFamily="34" charset="0"/>
+                <a:cs typeface="Arial" panose="020B0604020202020204" pitchFamily="34" charset="0"/>
+              </a:rPr>
+              <a:t>Se repite n-1 veces</a:t>
+            </a:r>
+          </a:p>
+        </p:txBody>
+      </p:sp>
+      <p:cxnSp>
+        <p:nvCxnSpPr>
+          <p:cNvPr id="21" name="Conector recto de flecha 20">
+            <a:extLst>
+              <a:ext uri="{FF2B5EF4-FFF2-40B4-BE49-F238E27FC236}">
+                <a16:creationId xmlns:a16="http://schemas.microsoft.com/office/drawing/2014/main" id="{A7916747-B2B4-46D7-92BB-E12EA211D1FE}"/>
+              </a:ext>
+            </a:extLst>
+          </p:cNvPr>
+          <p:cNvCxnSpPr>
+            <a:cxnSpLocks/>
+          </p:cNvCxnSpPr>
+          <p:nvPr/>
+        </p:nvCxnSpPr>
+        <p:spPr>
+          <a:xfrm flipV="1">
+            <a:off x="6943194" y="954156"/>
+            <a:ext cx="401086" cy="304429"/>
+          </a:xfrm>
+          <a:prstGeom prst="straightConnector1">
+            <a:avLst/>
+          </a:prstGeom>
+          <a:ln w="38100">
+            <a:solidFill>
+              <a:schemeClr val="accent4"/>
+            </a:solidFill>
+            <a:tailEnd type="triangle"/>
+          </a:ln>
+        </p:spPr>
+        <p:style>
+          <a:lnRef idx="1">
+            <a:schemeClr val="accent1"/>
+          </a:lnRef>
+          <a:fillRef idx="0">
+            <a:schemeClr val="accent1"/>
+          </a:fillRef>
+          <a:effectRef idx="0">
+            <a:schemeClr val="accent1"/>
+          </a:effectRef>
+          <a:fontRef idx="minor">
+            <a:schemeClr val="tx1"/>
+          </a:fontRef>
+        </p:style>
+      </p:cxnSp>
+      <p:sp>
+        <p:nvSpPr>
+          <p:cNvPr id="22" name="Rectángulo 21">
+            <a:extLst>
+              <a:ext uri="{FF2B5EF4-FFF2-40B4-BE49-F238E27FC236}">
+                <a16:creationId xmlns:a16="http://schemas.microsoft.com/office/drawing/2014/main" id="{14829906-810D-4251-9F50-6F6F0F5D0BB2}"/>
+              </a:ext>
+            </a:extLst>
+          </p:cNvPr>
+          <p:cNvSpPr/>
+          <p:nvPr/>
+        </p:nvSpPr>
+        <p:spPr>
+          <a:xfrm>
+            <a:off x="8119546" y="1208264"/>
+            <a:ext cx="686329" cy="239387"/>
+          </a:xfrm>
+          <a:prstGeom prst="rect">
+            <a:avLst/>
+          </a:prstGeom>
+          <a:solidFill>
+            <a:schemeClr val="accent4"/>
+          </a:solidFill>
+          <a:ln>
+            <a:solidFill>
+              <a:schemeClr val="tx1"/>
+            </a:solidFill>
+          </a:ln>
+        </p:spPr>
+        <p:style>
+          <a:lnRef idx="2">
+            <a:schemeClr val="accent1">
+              <a:shade val="50000"/>
+            </a:schemeClr>
+          </a:lnRef>
+          <a:fillRef idx="1">
+            <a:schemeClr val="accent1"/>
+          </a:fillRef>
+          <a:effectRef idx="0">
+            <a:schemeClr val="accent1"/>
+          </a:effectRef>
+          <a:fontRef idx="minor">
+            <a:schemeClr val="lt1"/>
+          </a:fontRef>
+        </p:style>
+        <p:txBody>
+          <a:bodyPr rtlCol="0" anchor="ctr"/>
+          <a:lstStyle/>
+          <a:p>
+            <a:pPr algn="ctr"/>
+            <a:r>
+              <a:rPr lang="es-MX" sz="1600" b="1" dirty="0">
+                <a:solidFill>
+                  <a:schemeClr val="tx1"/>
+                </a:solidFill>
+                <a:latin typeface="Arial" panose="020B0604020202020204" pitchFamily="34" charset="0"/>
+                <a:cs typeface="Arial" panose="020B0604020202020204" pitchFamily="34" charset="0"/>
+              </a:rPr>
+              <a:t>O(n)</a:t>
+            </a:r>
+          </a:p>
+        </p:txBody>
+      </p:sp>
+      <p:cxnSp>
+        <p:nvCxnSpPr>
+          <p:cNvPr id="23" name="Conector recto de flecha 22">
+            <a:extLst>
+              <a:ext uri="{FF2B5EF4-FFF2-40B4-BE49-F238E27FC236}">
+                <a16:creationId xmlns:a16="http://schemas.microsoft.com/office/drawing/2014/main" id="{275560E7-B89C-40A1-92D7-1BCEC25F8EEA}"/>
+              </a:ext>
+            </a:extLst>
+          </p:cNvPr>
+          <p:cNvCxnSpPr>
+            <a:cxnSpLocks/>
+          </p:cNvCxnSpPr>
+          <p:nvPr/>
+        </p:nvCxnSpPr>
+        <p:spPr>
+          <a:xfrm>
+            <a:off x="7344280" y="1345229"/>
+            <a:ext cx="720734" cy="0"/>
+          </a:xfrm>
+          <a:prstGeom prst="straightConnector1">
+            <a:avLst/>
+          </a:prstGeom>
+          <a:ln w="38100">
+            <a:solidFill>
+              <a:schemeClr val="accent4"/>
+            </a:solidFill>
+            <a:tailEnd type="triangle"/>
+          </a:ln>
+        </p:spPr>
+        <p:style>
+          <a:lnRef idx="1">
+            <a:schemeClr val="accent1"/>
+          </a:lnRef>
+          <a:fillRef idx="0">
+            <a:schemeClr val="accent1"/>
+          </a:fillRef>
+          <a:effectRef idx="0">
+            <a:schemeClr val="accent1"/>
+          </a:effectRef>
+          <a:fontRef idx="minor">
+            <a:schemeClr val="tx1"/>
+          </a:fontRef>
+        </p:style>
+      </p:cxnSp>
+      <p:sp>
+        <p:nvSpPr>
+          <p:cNvPr id="24" name="Rectángulo 23">
+            <a:extLst>
+              <a:ext uri="{FF2B5EF4-FFF2-40B4-BE49-F238E27FC236}">
+                <a16:creationId xmlns:a16="http://schemas.microsoft.com/office/drawing/2014/main" id="{01340422-69E4-4095-B160-E8F830DEAD51}"/>
+              </a:ext>
+            </a:extLst>
+          </p:cNvPr>
+          <p:cNvSpPr/>
+          <p:nvPr/>
+        </p:nvSpPr>
+        <p:spPr>
+          <a:xfrm>
+            <a:off x="3915905" y="2081921"/>
+            <a:ext cx="636194" cy="249608"/>
+          </a:xfrm>
+          <a:prstGeom prst="rect">
+            <a:avLst/>
+          </a:prstGeom>
+          <a:solidFill>
+            <a:schemeClr val="accent6">
+              <a:lumMod val="60000"/>
+              <a:lumOff val="40000"/>
+            </a:schemeClr>
+          </a:solidFill>
+          <a:ln>
+            <a:solidFill>
+              <a:schemeClr val="tx1"/>
+            </a:solidFill>
+          </a:ln>
+        </p:spPr>
+        <p:style>
+          <a:lnRef idx="2">
+            <a:schemeClr val="accent1">
+              <a:shade val="50000"/>
+            </a:schemeClr>
+          </a:lnRef>
+          <a:fillRef idx="1">
+            <a:schemeClr val="accent1"/>
+          </a:fillRef>
+          <a:effectRef idx="0">
+            <a:schemeClr val="accent1"/>
+          </a:effectRef>
+          <a:fontRef idx="minor">
+            <a:schemeClr val="lt1"/>
+          </a:fontRef>
+        </p:style>
+        <p:txBody>
+          <a:bodyPr rtlCol="0" anchor="ctr"/>
+          <a:lstStyle/>
+          <a:p>
+            <a:pPr algn="ctr"/>
+            <a:r>
+              <a:rPr lang="es-MX" sz="1600" b="1" dirty="0">
+                <a:solidFill>
+                  <a:schemeClr val="tx1"/>
+                </a:solidFill>
+                <a:latin typeface="Arial" panose="020B0604020202020204" pitchFamily="34" charset="0"/>
+                <a:cs typeface="Arial" panose="020B0604020202020204" pitchFamily="34" charset="0"/>
+              </a:rPr>
+              <a:t>O(1)</a:t>
+            </a:r>
+          </a:p>
+        </p:txBody>
+      </p:sp>
+      <p:sp>
+        <p:nvSpPr>
+          <p:cNvPr id="25" name="Rectángulo 24">
+            <a:extLst>
+              <a:ext uri="{FF2B5EF4-FFF2-40B4-BE49-F238E27FC236}">
+                <a16:creationId xmlns:a16="http://schemas.microsoft.com/office/drawing/2014/main" id="{F70940CD-A2D1-465C-9723-AD01A8CEB657}"/>
+              </a:ext>
+            </a:extLst>
+          </p:cNvPr>
+          <p:cNvSpPr/>
+          <p:nvPr/>
+        </p:nvSpPr>
+        <p:spPr>
+          <a:xfrm>
+            <a:off x="8585786" y="2579665"/>
+            <a:ext cx="689542" cy="343627"/>
+          </a:xfrm>
+          <a:prstGeom prst="rect">
+            <a:avLst/>
+          </a:prstGeom>
+          <a:solidFill>
+            <a:srgbClr val="FFC000"/>
+          </a:solidFill>
+          <a:ln>
+            <a:solidFill>
+              <a:schemeClr val="tx1"/>
+            </a:solidFill>
+          </a:ln>
+        </p:spPr>
+        <p:style>
+          <a:lnRef idx="2">
+            <a:schemeClr val="accent1">
+              <a:shade val="50000"/>
+            </a:schemeClr>
+          </a:lnRef>
+          <a:fillRef idx="1">
+            <a:schemeClr val="accent1"/>
+          </a:fillRef>
+          <a:effectRef idx="0">
+            <a:schemeClr val="accent1"/>
+          </a:effectRef>
+          <a:fontRef idx="minor">
+            <a:schemeClr val="lt1"/>
+          </a:fontRef>
+        </p:style>
+        <p:txBody>
+          <a:bodyPr rtlCol="0" anchor="ctr"/>
+          <a:lstStyle/>
+          <a:p>
+            <a:pPr algn="ctr"/>
+            <a:r>
+              <a:rPr lang="es-MX" sz="2000" b="1" dirty="0">
+                <a:solidFill>
+                  <a:schemeClr val="tx1"/>
+                </a:solidFill>
+                <a:latin typeface="Arial" panose="020B0604020202020204" pitchFamily="34" charset="0"/>
+                <a:cs typeface="Arial" panose="020B0604020202020204" pitchFamily="34" charset="0"/>
+              </a:rPr>
+              <a:t>O(1)</a:t>
+            </a:r>
+          </a:p>
+        </p:txBody>
+      </p:sp>
+      <p:sp>
+        <p:nvSpPr>
+          <p:cNvPr id="26" name="Abrir llave 25">
+            <a:extLst>
+              <a:ext uri="{FF2B5EF4-FFF2-40B4-BE49-F238E27FC236}">
+                <a16:creationId xmlns:a16="http://schemas.microsoft.com/office/drawing/2014/main" id="{E05AED62-FBE1-42C9-9763-617C9FD72632}"/>
+              </a:ext>
+            </a:extLst>
+          </p:cNvPr>
+          <p:cNvSpPr/>
+          <p:nvPr/>
+        </p:nvSpPr>
+        <p:spPr>
+          <a:xfrm rot="10800000">
+            <a:off x="8162965" y="2081921"/>
+            <a:ext cx="193541" cy="1303414"/>
+          </a:xfrm>
+          <a:prstGeom prst="leftBrace">
+            <a:avLst>
+              <a:gd name="adj1" fmla="val 70132"/>
+              <a:gd name="adj2" fmla="val 52844"/>
+            </a:avLst>
+          </a:prstGeom>
+          <a:solidFill>
+            <a:schemeClr val="bg1"/>
+          </a:solidFill>
+          <a:ln w="38100">
+            <a:solidFill>
+              <a:schemeClr val="tx1"/>
+            </a:solidFill>
+          </a:ln>
+        </p:spPr>
+        <p:style>
+          <a:lnRef idx="1">
+            <a:schemeClr val="accent1"/>
+          </a:lnRef>
+          <a:fillRef idx="0">
+            <a:schemeClr val="accent1"/>
+          </a:fillRef>
+          <a:effectRef idx="0">
+            <a:schemeClr val="accent1"/>
+          </a:effectRef>
+          <a:fontRef idx="minor">
+            <a:schemeClr val="tx1"/>
+          </a:fontRef>
+        </p:style>
+        <p:txBody>
+          <a:bodyPr rtlCol="0" anchor="ctr"/>
+          <a:lstStyle/>
+          <a:p>
+            <a:pPr algn="ctr"/>
+            <a:endParaRPr lang="es-MX"/>
+          </a:p>
+        </p:txBody>
+      </p:sp>
+      <p:sp>
+        <p:nvSpPr>
+          <p:cNvPr id="27" name="Rectángulo 26">
+            <a:extLst>
+              <a:ext uri="{FF2B5EF4-FFF2-40B4-BE49-F238E27FC236}">
+                <a16:creationId xmlns:a16="http://schemas.microsoft.com/office/drawing/2014/main" id="{27CDDEC0-FAFC-47AB-BE9F-36532F760F36}"/>
+              </a:ext>
+            </a:extLst>
+          </p:cNvPr>
+          <p:cNvSpPr/>
+          <p:nvPr/>
+        </p:nvSpPr>
+        <p:spPr>
+          <a:xfrm>
+            <a:off x="9597451" y="2650747"/>
+            <a:ext cx="733479" cy="343627"/>
+          </a:xfrm>
+          <a:prstGeom prst="rect">
+            <a:avLst/>
+          </a:prstGeom>
+          <a:solidFill>
+            <a:schemeClr val="accent2"/>
+          </a:solidFill>
+          <a:ln>
+            <a:solidFill>
+              <a:schemeClr val="tx1"/>
+            </a:solidFill>
+          </a:ln>
+        </p:spPr>
+        <p:style>
+          <a:lnRef idx="2">
+            <a:schemeClr val="accent1">
+              <a:shade val="50000"/>
+            </a:schemeClr>
+          </a:lnRef>
+          <a:fillRef idx="1">
+            <a:schemeClr val="accent1"/>
+          </a:fillRef>
+          <a:effectRef idx="0">
+            <a:schemeClr val="accent1"/>
+          </a:effectRef>
+          <a:fontRef idx="minor">
+            <a:schemeClr val="lt1"/>
+          </a:fontRef>
+        </p:style>
+        <p:txBody>
+          <a:bodyPr rtlCol="0" anchor="ctr"/>
+          <a:lstStyle/>
+          <a:p>
+            <a:pPr algn="ctr"/>
+            <a:r>
+              <a:rPr lang="es-MX" sz="2000" b="1" dirty="0">
+                <a:solidFill>
+                  <a:schemeClr val="tx1"/>
+                </a:solidFill>
+                <a:latin typeface="Arial" panose="020B0604020202020204" pitchFamily="34" charset="0"/>
+                <a:cs typeface="Arial" panose="020B0604020202020204" pitchFamily="34" charset="0"/>
+              </a:rPr>
+              <a:t>O(n)</a:t>
+            </a:r>
+          </a:p>
+        </p:txBody>
+      </p:sp>
+      <p:sp>
+        <p:nvSpPr>
+          <p:cNvPr id="28" name="Abrir llave 27">
+            <a:extLst>
+              <a:ext uri="{FF2B5EF4-FFF2-40B4-BE49-F238E27FC236}">
+                <a16:creationId xmlns:a16="http://schemas.microsoft.com/office/drawing/2014/main" id="{0B48A4EA-ABC9-4C08-8428-2BBC355C4999}"/>
+              </a:ext>
+            </a:extLst>
+          </p:cNvPr>
+          <p:cNvSpPr/>
+          <p:nvPr/>
+        </p:nvSpPr>
+        <p:spPr>
+          <a:xfrm rot="10800000">
+            <a:off x="9317192" y="1842534"/>
+            <a:ext cx="53053" cy="2085550"/>
+          </a:xfrm>
+          <a:prstGeom prst="leftBrace">
+            <a:avLst>
+              <a:gd name="adj1" fmla="val 70132"/>
+              <a:gd name="adj2" fmla="val 52844"/>
+            </a:avLst>
+          </a:prstGeom>
+          <a:solidFill>
+            <a:schemeClr val="bg1"/>
+          </a:solidFill>
+          <a:ln w="38100">
+            <a:solidFill>
+              <a:schemeClr val="tx1"/>
+            </a:solidFill>
+          </a:ln>
+        </p:spPr>
+        <p:style>
+          <a:lnRef idx="1">
+            <a:schemeClr val="accent1"/>
+          </a:lnRef>
+          <a:fillRef idx="0">
+            <a:schemeClr val="accent1"/>
+          </a:fillRef>
+          <a:effectRef idx="0">
+            <a:schemeClr val="accent1"/>
+          </a:effectRef>
+          <a:fontRef idx="minor">
+            <a:schemeClr val="tx1"/>
+          </a:fontRef>
+        </p:style>
+        <p:txBody>
+          <a:bodyPr rtlCol="0" anchor="ctr"/>
+          <a:lstStyle/>
+          <a:p>
+            <a:pPr algn="ctr"/>
+            <a:endParaRPr lang="es-MX"/>
+          </a:p>
+        </p:txBody>
+      </p:sp>
+      <p:cxnSp>
+        <p:nvCxnSpPr>
+          <p:cNvPr id="29" name="Conector recto 28">
+            <a:extLst>
+              <a:ext uri="{FF2B5EF4-FFF2-40B4-BE49-F238E27FC236}">
+                <a16:creationId xmlns:a16="http://schemas.microsoft.com/office/drawing/2014/main" id="{9E5EFA70-A70F-495E-A601-BE4140BB491D}"/>
+              </a:ext>
+            </a:extLst>
+          </p:cNvPr>
+          <p:cNvCxnSpPr>
+            <a:cxnSpLocks/>
+          </p:cNvCxnSpPr>
+          <p:nvPr/>
+        </p:nvCxnSpPr>
+        <p:spPr>
+          <a:xfrm>
+            <a:off x="4438762" y="3928094"/>
+            <a:ext cx="4931484" cy="0"/>
+          </a:xfrm>
+          <a:prstGeom prst="line">
+            <a:avLst/>
+          </a:prstGeom>
+          <a:ln w="38100">
+            <a:solidFill>
+              <a:schemeClr val="tx1"/>
+            </a:solidFill>
+            <a:prstDash val="sysDot"/>
+          </a:ln>
+        </p:spPr>
+        <p:style>
+          <a:lnRef idx="1">
+            <a:schemeClr val="accent1"/>
+          </a:lnRef>
+          <a:fillRef idx="0">
+            <a:schemeClr val="accent1"/>
+          </a:fillRef>
+          <a:effectRef idx="0">
+            <a:schemeClr val="accent1"/>
+          </a:effectRef>
+          <a:fontRef idx="minor">
+            <a:schemeClr val="tx1"/>
+          </a:fontRef>
+        </p:style>
+      </p:cxnSp>
+      <p:sp>
+        <p:nvSpPr>
+          <p:cNvPr id="30" name="Abrir llave 29">
+            <a:extLst>
+              <a:ext uri="{FF2B5EF4-FFF2-40B4-BE49-F238E27FC236}">
+                <a16:creationId xmlns:a16="http://schemas.microsoft.com/office/drawing/2014/main" id="{9850F499-CE7B-4C89-92DB-E04EE240512C}"/>
+              </a:ext>
+            </a:extLst>
+          </p:cNvPr>
+          <p:cNvSpPr/>
+          <p:nvPr/>
+        </p:nvSpPr>
+        <p:spPr>
+          <a:xfrm rot="10800000">
+            <a:off x="10488995" y="704548"/>
+            <a:ext cx="130879" cy="3625955"/>
+          </a:xfrm>
+          <a:prstGeom prst="leftBrace">
+            <a:avLst>
+              <a:gd name="adj1" fmla="val 70132"/>
+              <a:gd name="adj2" fmla="val 52844"/>
+            </a:avLst>
+          </a:prstGeom>
+          <a:solidFill>
+            <a:schemeClr val="bg1"/>
+          </a:solidFill>
+          <a:ln w="38100">
+            <a:solidFill>
+              <a:schemeClr val="tx1"/>
+            </a:solidFill>
+          </a:ln>
+        </p:spPr>
+        <p:style>
+          <a:lnRef idx="1">
+            <a:schemeClr val="accent1"/>
+          </a:lnRef>
+          <a:fillRef idx="0">
+            <a:schemeClr val="accent1"/>
+          </a:fillRef>
+          <a:effectRef idx="0">
+            <a:schemeClr val="accent1"/>
+          </a:effectRef>
+          <a:fontRef idx="minor">
+            <a:schemeClr val="tx1"/>
+          </a:fontRef>
+        </p:style>
+        <p:txBody>
+          <a:bodyPr rtlCol="0" anchor="ctr"/>
+          <a:lstStyle/>
+          <a:p>
+            <a:pPr algn="ctr"/>
+            <a:endParaRPr lang="es-MX"/>
+          </a:p>
+        </p:txBody>
+      </p:sp>
+      <p:cxnSp>
+        <p:nvCxnSpPr>
+          <p:cNvPr id="31" name="Conector recto 30">
+            <a:extLst>
+              <a:ext uri="{FF2B5EF4-FFF2-40B4-BE49-F238E27FC236}">
+                <a16:creationId xmlns:a16="http://schemas.microsoft.com/office/drawing/2014/main" id="{6CEDB3A1-C3F7-4A86-8D60-6E659F44F873}"/>
+              </a:ext>
+            </a:extLst>
+          </p:cNvPr>
+          <p:cNvCxnSpPr>
+            <a:cxnSpLocks/>
+          </p:cNvCxnSpPr>
+          <p:nvPr/>
+        </p:nvCxnSpPr>
+        <p:spPr>
+          <a:xfrm flipV="1">
+            <a:off x="3405809" y="4342004"/>
+            <a:ext cx="7055749" cy="69519"/>
+          </a:xfrm>
+          <a:prstGeom prst="line">
+            <a:avLst/>
+          </a:prstGeom>
+          <a:ln w="38100">
+            <a:solidFill>
+              <a:schemeClr val="tx1"/>
+            </a:solidFill>
+            <a:prstDash val="sysDot"/>
+          </a:ln>
+        </p:spPr>
+        <p:style>
+          <a:lnRef idx="1">
+            <a:schemeClr val="accent1"/>
+          </a:lnRef>
+          <a:fillRef idx="0">
+            <a:schemeClr val="accent1"/>
+          </a:fillRef>
+          <a:effectRef idx="0">
+            <a:schemeClr val="accent1"/>
+          </a:effectRef>
+          <a:fontRef idx="minor">
+            <a:schemeClr val="tx1"/>
+          </a:fontRef>
+        </p:style>
+      </p:cxnSp>
+      <mc:AlternateContent xmlns:mc="http://schemas.openxmlformats.org/markup-compatibility/2006">
+        <mc:Choice xmlns:a14="http://schemas.microsoft.com/office/drawing/2010/main" Requires="a14">
+          <p:sp>
+            <p:nvSpPr>
+              <p:cNvPr id="32" name="Rectángulo 31">
+                <a:extLst>
+                  <a:ext uri="{FF2B5EF4-FFF2-40B4-BE49-F238E27FC236}">
+                    <a16:creationId xmlns:a16="http://schemas.microsoft.com/office/drawing/2014/main" id="{93968DAB-0B32-4140-8298-57758991AE18}"/>
+                  </a:ext>
+                </a:extLst>
+              </p:cNvPr>
+              <p:cNvSpPr/>
+              <p:nvPr/>
+            </p:nvSpPr>
+            <p:spPr>
+              <a:xfrm>
+                <a:off x="10872354" y="2236818"/>
+                <a:ext cx="856758" cy="311500"/>
+              </a:xfrm>
+              <a:prstGeom prst="rect">
+                <a:avLst/>
+              </a:prstGeom>
+              <a:solidFill>
+                <a:schemeClr val="accent1">
+                  <a:lumMod val="60000"/>
+                  <a:lumOff val="40000"/>
+                </a:schemeClr>
+              </a:solidFill>
+              <a:ln>
+                <a:solidFill>
+                  <a:schemeClr val="tx1"/>
+                </a:solidFill>
+              </a:ln>
+            </p:spPr>
+            <p:style>
+              <a:lnRef idx="2">
+                <a:schemeClr val="accent1">
+                  <a:shade val="50000"/>
+                </a:schemeClr>
+              </a:lnRef>
+              <a:fillRef idx="1">
+                <a:schemeClr val="accent1"/>
+              </a:fillRef>
+              <a:effectRef idx="0">
+                <a:schemeClr val="accent1"/>
+              </a:effectRef>
+              <a:fontRef idx="minor">
+                <a:schemeClr val="lt1"/>
+              </a:fontRef>
+            </p:style>
+            <p:txBody>
+              <a:bodyPr rtlCol="0" anchor="ctr"/>
+              <a:lstStyle/>
+              <a:p>
+                <a:pPr algn="ctr"/>
+                <a:r>
+                  <a:rPr lang="es-MX" sz="2000" b="1" dirty="0">
+                    <a:solidFill>
+                      <a:schemeClr val="tx1"/>
+                    </a:solidFill>
+                    <a:latin typeface="Arial" panose="020B0604020202020204" pitchFamily="34" charset="0"/>
+                    <a:cs typeface="Arial" panose="020B0604020202020204" pitchFamily="34" charset="0"/>
+                  </a:rPr>
+                  <a:t>O(</a:t>
+                </a:r>
+                <a14:m>
+                  <m:oMath xmlns:m="http://schemas.openxmlformats.org/officeDocument/2006/math">
+                    <m:sSup>
+                      <m:sSupPr>
+                        <m:ctrlPr>
+                          <a:rPr lang="es-MX" sz="2000" b="1" i="1">
+                            <a:solidFill>
+                              <a:schemeClr val="tx1"/>
+                            </a:solidFill>
+                            <a:latin typeface="Cambria Math" panose="02040503050406030204" pitchFamily="18" charset="0"/>
+                            <a:cs typeface="Arial" panose="020B0604020202020204" pitchFamily="34" charset="0"/>
+                          </a:rPr>
+                        </m:ctrlPr>
+                      </m:sSupPr>
+                      <m:e>
+                        <m:r>
+                          <a:rPr lang="es-MX" sz="2000" b="1" i="1">
+                            <a:solidFill>
+                              <a:schemeClr val="tx1"/>
+                            </a:solidFill>
+                            <a:latin typeface="Cambria Math" panose="02040503050406030204" pitchFamily="18" charset="0"/>
+                            <a:cs typeface="Arial" panose="020B0604020202020204" pitchFamily="34" charset="0"/>
+                          </a:rPr>
+                          <m:t>𝒏</m:t>
+                        </m:r>
+                      </m:e>
+                      <m:sup>
+                        <m:r>
+                          <a:rPr lang="es-MX" sz="2000" b="1" i="1">
+                            <a:solidFill>
+                              <a:schemeClr val="tx1"/>
+                            </a:solidFill>
+                            <a:latin typeface="Cambria Math" panose="02040503050406030204" pitchFamily="18" charset="0"/>
+                            <a:cs typeface="Arial" panose="020B0604020202020204" pitchFamily="34" charset="0"/>
+                          </a:rPr>
+                          <m:t>𝟐</m:t>
+                        </m:r>
+                      </m:sup>
+                    </m:sSup>
+                  </m:oMath>
+                </a14:m>
+                <a:r>
+                  <a:rPr lang="es-MX" sz="2000" b="1" dirty="0">
+                    <a:solidFill>
+                      <a:schemeClr val="tx1"/>
+                    </a:solidFill>
+                    <a:latin typeface="Arial" panose="020B0604020202020204" pitchFamily="34" charset="0"/>
+                    <a:cs typeface="Arial" panose="020B0604020202020204" pitchFamily="34" charset="0"/>
+                  </a:rPr>
+                  <a:t>)</a:t>
+                </a:r>
+              </a:p>
+            </p:txBody>
+          </p:sp>
+        </mc:Choice>
+        <mc:Fallback>
+          <p:sp>
+            <p:nvSpPr>
+              <p:cNvPr id="32" name="Rectángulo 31">
+                <a:extLst>
+                  <a:ext uri="{FF2B5EF4-FFF2-40B4-BE49-F238E27FC236}">
+                    <a16:creationId xmlns:a16="http://schemas.microsoft.com/office/drawing/2014/main" id="{93968DAB-0B32-4140-8298-57758991AE18}"/>
+                  </a:ext>
+                </a:extLst>
+              </p:cNvPr>
+              <p:cNvSpPr>
+                <a:spLocks noRot="1" noChangeAspect="1" noMove="1" noResize="1" noEditPoints="1" noAdjustHandles="1" noChangeArrowheads="1" noChangeShapeType="1" noTextEdit="1"/>
+              </p:cNvSpPr>
+              <p:nvPr/>
+            </p:nvSpPr>
+            <p:spPr>
+              <a:xfrm>
+                <a:off x="10872354" y="2236818"/>
+                <a:ext cx="856758" cy="311500"/>
+              </a:xfrm>
+              <a:prstGeom prst="rect">
+                <a:avLst/>
+              </a:prstGeom>
+              <a:blipFill>
+                <a:blip r:embed="rId3"/>
+                <a:stretch>
+                  <a:fillRect l="-6338" t="-18868" r="-5634" b="-47170"/>
+                </a:stretch>
+              </a:blipFill>
+              <a:ln>
+                <a:solidFill>
+                  <a:schemeClr val="tx1"/>
+                </a:solidFill>
+              </a:ln>
+            </p:spPr>
+            <p:txBody>
+              <a:bodyPr/>
+              <a:lstStyle/>
+              <a:p>
+                <a:r>
+                  <a:rPr lang="es-MX">
+                    <a:noFill/>
+                  </a:rPr>
+                  <a:t> </a:t>
+                </a:r>
+              </a:p>
+            </p:txBody>
+          </p:sp>
+        </mc:Fallback>
+      </mc:AlternateContent>
     </p:spTree>
     <p:extLst>
       <p:ext uri="{BB962C8B-B14F-4D97-AF65-F5344CB8AC3E}">
@@ -17136,8 +18179,8 @@
           </a:fontRef>
         </p:style>
       </p:cxnSp>
-      <mc:AlternateContent xmlns:mc="http://schemas.openxmlformats.org/markup-compatibility/2006">
-        <mc:Choice xmlns:a14="http://schemas.microsoft.com/office/drawing/2010/main" Requires="a14">
+      <mc:AlternateContent xmlns:mc="http://schemas.openxmlformats.org/markup-compatibility/2006" xmlns:a14="http://schemas.microsoft.com/office/drawing/2010/main">
+        <mc:Choice Requires="a14">
           <p:sp>
             <p:nvSpPr>
               <p:cNvPr id="33" name="Rectángulo 32">
@@ -17256,7 +18299,7 @@
             </p:txBody>
           </p:sp>
         </mc:Choice>
-        <mc:Fallback>
+        <mc:Fallback xmlns="">
           <p:sp>
             <p:nvSpPr>
               <p:cNvPr id="33" name="Rectángulo 32">
